--- a/2-Data Analysis/documentacion/Recap.pptx
+++ b/2-Data Analysis/documentacion/Recap.pptx
@@ -7,6 +7,7 @@
   <p:sldIdLst>
     <p:sldId id="256" r:id="rId2"/>
     <p:sldId id="257" r:id="rId3"/>
+    <p:sldId id="258" r:id="rId4"/>
   </p:sldIdLst>
   <p:sldSz cx="9144000" cy="5143500" type="screen16x9"/>
   <p:notesSz cx="6858000" cy="9144000"/>
@@ -5464,6 +5465,1512 @@
 </p:sld>
 </file>
 
+<file path=ppt/slides/slide3.xml><?xml version="1.0" encoding="utf-8"?>
+<p:sld xmlns:a="http://schemas.openxmlformats.org/drawingml/2006/main" xmlns:r="http://schemas.openxmlformats.org/officeDocument/2006/relationships" xmlns:p="http://schemas.openxmlformats.org/presentationml/2006/main">
+  <p:cSld>
+    <p:spTree>
+      <p:nvGrpSpPr>
+        <p:cNvPr id="1" name=""/>
+        <p:cNvGrpSpPr/>
+        <p:nvPr/>
+      </p:nvGrpSpPr>
+      <p:grpSpPr>
+        <a:xfrm>
+          <a:off x="0" y="0"/>
+          <a:ext cx="0" cy="0"/>
+          <a:chOff x="0" y="0"/>
+          <a:chExt cx="0" cy="0"/>
+        </a:xfrm>
+      </p:grpSpPr>
+      <p:sp>
+        <p:nvSpPr>
+          <p:cNvPr id="6" name="CustomShape 1">
+            <a:extLst>
+              <a:ext uri="{FF2B5EF4-FFF2-40B4-BE49-F238E27FC236}">
+                <a16:creationId xmlns:a16="http://schemas.microsoft.com/office/drawing/2014/main" id="{362DC8F1-6F84-44B3-A221-5073E5F94AF8}"/>
+              </a:ext>
+            </a:extLst>
+          </p:cNvPr>
+          <p:cNvSpPr/>
+          <p:nvPr/>
+        </p:nvSpPr>
+        <p:spPr>
+          <a:xfrm>
+            <a:off x="605820" y="305850"/>
+            <a:ext cx="3633120" cy="3922200"/>
+          </a:xfrm>
+          <a:prstGeom prst="rect">
+            <a:avLst/>
+          </a:prstGeom>
+          <a:noFill/>
+          <a:ln w="0">
+            <a:noFill/>
+          </a:ln>
+        </p:spPr>
+        <p:style>
+          <a:lnRef idx="0">
+            <a:scrgbClr r="0" g="0" b="0"/>
+          </a:lnRef>
+          <a:fillRef idx="0">
+            <a:scrgbClr r="0" g="0" b="0"/>
+          </a:fillRef>
+          <a:effectRef idx="0">
+            <a:scrgbClr r="0" g="0" b="0"/>
+          </a:effectRef>
+          <a:fontRef idx="minor"/>
+        </p:style>
+        <p:txBody>
+          <a:bodyPr tIns="91440" bIns="91440">
+            <a:noAutofit/>
+          </a:bodyPr>
+          <a:lstStyle>
+            <a:defPPr>
+              <a:defRPr lang="es-ES"/>
+            </a:defPPr>
+            <a:lvl1pPr marL="0" algn="l" defTabSz="914400" rtl="0" eaLnBrk="1" latinLnBrk="0" hangingPunct="1">
+              <a:defRPr sz="1800" kern="1200">
+                <a:solidFill>
+                  <a:schemeClr val="tx1"/>
+                </a:solidFill>
+                <a:latin typeface="+mn-lt"/>
+                <a:ea typeface="+mn-ea"/>
+                <a:cs typeface="+mn-cs"/>
+              </a:defRPr>
+            </a:lvl1pPr>
+            <a:lvl2pPr marL="457200" algn="l" defTabSz="914400" rtl="0" eaLnBrk="1" latinLnBrk="0" hangingPunct="1">
+              <a:defRPr sz="1800" kern="1200">
+                <a:solidFill>
+                  <a:schemeClr val="tx1"/>
+                </a:solidFill>
+                <a:latin typeface="+mn-lt"/>
+                <a:ea typeface="+mn-ea"/>
+                <a:cs typeface="+mn-cs"/>
+              </a:defRPr>
+            </a:lvl2pPr>
+            <a:lvl3pPr marL="914400" algn="l" defTabSz="914400" rtl="0" eaLnBrk="1" latinLnBrk="0" hangingPunct="1">
+              <a:defRPr sz="1800" kern="1200">
+                <a:solidFill>
+                  <a:schemeClr val="tx1"/>
+                </a:solidFill>
+                <a:latin typeface="+mn-lt"/>
+                <a:ea typeface="+mn-ea"/>
+                <a:cs typeface="+mn-cs"/>
+              </a:defRPr>
+            </a:lvl3pPr>
+            <a:lvl4pPr marL="1371600" algn="l" defTabSz="914400" rtl="0" eaLnBrk="1" latinLnBrk="0" hangingPunct="1">
+              <a:defRPr sz="1800" kern="1200">
+                <a:solidFill>
+                  <a:schemeClr val="tx1"/>
+                </a:solidFill>
+                <a:latin typeface="+mn-lt"/>
+                <a:ea typeface="+mn-ea"/>
+                <a:cs typeface="+mn-cs"/>
+              </a:defRPr>
+            </a:lvl4pPr>
+            <a:lvl5pPr marL="1828800" algn="l" defTabSz="914400" rtl="0" eaLnBrk="1" latinLnBrk="0" hangingPunct="1">
+              <a:defRPr sz="1800" kern="1200">
+                <a:solidFill>
+                  <a:schemeClr val="tx1"/>
+                </a:solidFill>
+                <a:latin typeface="+mn-lt"/>
+                <a:ea typeface="+mn-ea"/>
+                <a:cs typeface="+mn-cs"/>
+              </a:defRPr>
+            </a:lvl5pPr>
+            <a:lvl6pPr marL="2286000" algn="l" defTabSz="914400" rtl="0" eaLnBrk="1" latinLnBrk="0" hangingPunct="1">
+              <a:defRPr sz="1800" kern="1200">
+                <a:solidFill>
+                  <a:schemeClr val="tx1"/>
+                </a:solidFill>
+                <a:latin typeface="+mn-lt"/>
+                <a:ea typeface="+mn-ea"/>
+                <a:cs typeface="+mn-cs"/>
+              </a:defRPr>
+            </a:lvl6pPr>
+            <a:lvl7pPr marL="2743200" algn="l" defTabSz="914400" rtl="0" eaLnBrk="1" latinLnBrk="0" hangingPunct="1">
+              <a:defRPr sz="1800" kern="1200">
+                <a:solidFill>
+                  <a:schemeClr val="tx1"/>
+                </a:solidFill>
+                <a:latin typeface="+mn-lt"/>
+                <a:ea typeface="+mn-ea"/>
+                <a:cs typeface="+mn-cs"/>
+              </a:defRPr>
+            </a:lvl7pPr>
+            <a:lvl8pPr marL="3200400" algn="l" defTabSz="914400" rtl="0" eaLnBrk="1" latinLnBrk="0" hangingPunct="1">
+              <a:defRPr sz="1800" kern="1200">
+                <a:solidFill>
+                  <a:schemeClr val="tx1"/>
+                </a:solidFill>
+                <a:latin typeface="+mn-lt"/>
+                <a:ea typeface="+mn-ea"/>
+                <a:cs typeface="+mn-cs"/>
+              </a:defRPr>
+            </a:lvl8pPr>
+            <a:lvl9pPr marL="3657600" algn="l" defTabSz="914400" rtl="0" eaLnBrk="1" latinLnBrk="0" hangingPunct="1">
+              <a:defRPr sz="1800" kern="1200">
+                <a:solidFill>
+                  <a:schemeClr val="tx1"/>
+                </a:solidFill>
+                <a:latin typeface="+mn-lt"/>
+                <a:ea typeface="+mn-ea"/>
+                <a:cs typeface="+mn-cs"/>
+              </a:defRPr>
+            </a:lvl9pPr>
+          </a:lstStyle>
+          <a:p>
+            <a:pPr>
+              <a:lnSpc>
+                <a:spcPct val="100000"/>
+              </a:lnSpc>
+              <a:tabLst>
+                <a:tab pos="0" algn="l"/>
+              </a:tabLst>
+            </a:pPr>
+            <a:r>
+              <a:rPr lang="es" sz="1500" b="0" u="sng" strike="noStrike" spc="-1" dirty="0">
+                <a:solidFill>
+                  <a:srgbClr val="FFFFFF"/>
+                </a:solidFill>
+                <a:uFillTx/>
+                <a:latin typeface="Arial"/>
+                <a:ea typeface="Arial"/>
+              </a:rPr>
+              <a:t>¿Qué hemos visto?</a:t>
+            </a:r>
+            <a:endParaRPr lang="es-ES" sz="1500" b="0" strike="noStrike" spc="-1" dirty="0">
+              <a:latin typeface="Arial"/>
+            </a:endParaRPr>
+          </a:p>
+          <a:p>
+            <a:pPr>
+              <a:lnSpc>
+                <a:spcPct val="100000"/>
+              </a:lnSpc>
+              <a:tabLst>
+                <a:tab pos="0" algn="l"/>
+              </a:tabLst>
+            </a:pPr>
+            <a:endParaRPr lang="es-ES" sz="1500" b="0" strike="noStrike" spc="-1" dirty="0">
+              <a:latin typeface="Arial"/>
+            </a:endParaRPr>
+          </a:p>
+          <a:p>
+            <a:pPr>
+              <a:lnSpc>
+                <a:spcPct val="100000"/>
+              </a:lnSpc>
+              <a:tabLst>
+                <a:tab pos="0" algn="l"/>
+              </a:tabLst>
+            </a:pPr>
+            <a:r>
+              <a:rPr lang="es" sz="1100" b="1" strike="noStrike" spc="-1" dirty="0">
+                <a:solidFill>
+                  <a:srgbClr val="FFFFFF"/>
+                </a:solidFill>
+                <a:latin typeface="Arial"/>
+                <a:ea typeface="Arial"/>
+              </a:rPr>
+              <a:t>Numpy y pandas</a:t>
+            </a:r>
+            <a:endParaRPr lang="es-ES" sz="1100" b="0" strike="noStrike" spc="-1" dirty="0">
+              <a:latin typeface="Arial"/>
+            </a:endParaRPr>
+          </a:p>
+          <a:p>
+            <a:pPr marL="457200" indent="-291600">
+              <a:lnSpc>
+                <a:spcPct val="100000"/>
+              </a:lnSpc>
+              <a:buClr>
+                <a:srgbClr val="CCCCCC"/>
+              </a:buClr>
+              <a:buFont typeface="Arial"/>
+              <a:buChar char="-"/>
+              <a:tabLst>
+                <a:tab pos="0" algn="l"/>
+              </a:tabLst>
+            </a:pPr>
+            <a:r>
+              <a:rPr lang="es" sz="1000" b="0" i="1" strike="noStrike" spc="-1" dirty="0">
+                <a:solidFill>
+                  <a:srgbClr val="CCCCCC"/>
+                </a:solidFill>
+                <a:latin typeface="Arial"/>
+                <a:ea typeface="Arial"/>
+              </a:rPr>
+              <a:t>Manejo de datos matriciales</a:t>
+            </a:r>
+            <a:endParaRPr lang="es-ES" sz="1000" b="0" strike="noStrike" spc="-1" dirty="0">
+              <a:latin typeface="Arial"/>
+            </a:endParaRPr>
+          </a:p>
+          <a:p>
+            <a:pPr marL="457200" indent="-291600">
+              <a:lnSpc>
+                <a:spcPct val="100000"/>
+              </a:lnSpc>
+              <a:buClr>
+                <a:srgbClr val="CCCCCC"/>
+              </a:buClr>
+              <a:buFont typeface="Arial"/>
+              <a:buChar char="-"/>
+              <a:tabLst>
+                <a:tab pos="0" algn="l"/>
+              </a:tabLst>
+            </a:pPr>
+            <a:r>
+              <a:rPr lang="es" sz="1000" b="0" i="1" strike="noStrike" spc="-1" dirty="0">
+                <a:solidFill>
+                  <a:srgbClr val="CCCCCC"/>
+                </a:solidFill>
+                <a:latin typeface="Arial"/>
+                <a:ea typeface="Arial"/>
+              </a:rPr>
+              <a:t>DataFrames pandas</a:t>
+            </a:r>
+            <a:endParaRPr lang="es-ES" sz="1000" b="0" strike="noStrike" spc="-1" dirty="0">
+              <a:latin typeface="Arial"/>
+            </a:endParaRPr>
+          </a:p>
+          <a:p>
+            <a:pPr marL="457200" indent="-291600">
+              <a:lnSpc>
+                <a:spcPct val="100000"/>
+              </a:lnSpc>
+              <a:buClr>
+                <a:srgbClr val="CCCCCC"/>
+              </a:buClr>
+              <a:buFont typeface="Arial"/>
+              <a:buChar char="-"/>
+              <a:tabLst>
+                <a:tab pos="0" algn="l"/>
+              </a:tabLst>
+            </a:pPr>
+            <a:r>
+              <a:rPr lang="es" sz="1000" b="0" i="1" strike="noStrike" spc="-1" dirty="0">
+                <a:solidFill>
+                  <a:srgbClr val="CCCCCC"/>
+                </a:solidFill>
+                <a:latin typeface="Arial"/>
+                <a:ea typeface="Arial"/>
+              </a:rPr>
+              <a:t>Merge, pivot, missings, filter</a:t>
+            </a:r>
+            <a:endParaRPr lang="es-ES" sz="1000" b="0" strike="noStrike" spc="-1" dirty="0">
+              <a:latin typeface="Arial"/>
+            </a:endParaRPr>
+          </a:p>
+          <a:p>
+            <a:pPr>
+              <a:lnSpc>
+                <a:spcPct val="100000"/>
+              </a:lnSpc>
+              <a:tabLst>
+                <a:tab pos="0" algn="l"/>
+              </a:tabLst>
+            </a:pPr>
+            <a:endParaRPr lang="es-ES" sz="1000" b="0" strike="noStrike" spc="-1" dirty="0">
+              <a:latin typeface="Arial"/>
+            </a:endParaRPr>
+          </a:p>
+          <a:p>
+            <a:pPr>
+              <a:lnSpc>
+                <a:spcPct val="100000"/>
+              </a:lnSpc>
+              <a:tabLst>
+                <a:tab pos="0" algn="l"/>
+              </a:tabLst>
+            </a:pPr>
+            <a:endParaRPr lang="es-ES" sz="1000" b="0" strike="noStrike" spc="-1" dirty="0">
+              <a:latin typeface="Arial"/>
+            </a:endParaRPr>
+          </a:p>
+          <a:p>
+            <a:pPr>
+              <a:lnSpc>
+                <a:spcPct val="100000"/>
+              </a:lnSpc>
+              <a:tabLst>
+                <a:tab pos="0" algn="l"/>
+              </a:tabLst>
+            </a:pPr>
+            <a:r>
+              <a:rPr lang="es" sz="1100" b="1" strike="noStrike" spc="-1" dirty="0">
+                <a:solidFill>
+                  <a:srgbClr val="FFFFFF"/>
+                </a:solidFill>
+                <a:latin typeface="Arial"/>
+                <a:ea typeface="Arial"/>
+              </a:rPr>
+              <a:t>Visualización</a:t>
+            </a:r>
+            <a:endParaRPr lang="es-ES" sz="1100" b="0" strike="noStrike" spc="-1" dirty="0">
+              <a:latin typeface="Arial"/>
+            </a:endParaRPr>
+          </a:p>
+          <a:p>
+            <a:pPr marL="457200" indent="-291600">
+              <a:lnSpc>
+                <a:spcPct val="100000"/>
+              </a:lnSpc>
+              <a:buClr>
+                <a:srgbClr val="CCCCCC"/>
+              </a:buClr>
+              <a:buFont typeface="Arial"/>
+              <a:buChar char="-"/>
+              <a:tabLst>
+                <a:tab pos="0" algn="l"/>
+              </a:tabLst>
+            </a:pPr>
+            <a:r>
+              <a:rPr lang="es" sz="1000" b="0" i="1" strike="noStrike" spc="-1" dirty="0">
+                <a:solidFill>
+                  <a:srgbClr val="CCCCCC"/>
+                </a:solidFill>
+                <a:latin typeface="Arial"/>
+                <a:ea typeface="Arial"/>
+              </a:rPr>
+              <a:t>Matplotlib</a:t>
+            </a:r>
+            <a:endParaRPr lang="es-ES" sz="1000" b="0" strike="noStrike" spc="-1" dirty="0">
+              <a:latin typeface="Arial"/>
+            </a:endParaRPr>
+          </a:p>
+          <a:p>
+            <a:pPr marL="457200" indent="-291600">
+              <a:lnSpc>
+                <a:spcPct val="100000"/>
+              </a:lnSpc>
+              <a:buClr>
+                <a:srgbClr val="CCCCCC"/>
+              </a:buClr>
+              <a:buFont typeface="Arial"/>
+              <a:buChar char="-"/>
+              <a:tabLst>
+                <a:tab pos="0" algn="l"/>
+              </a:tabLst>
+            </a:pPr>
+            <a:r>
+              <a:rPr lang="es" sz="1000" b="0" i="1" strike="noStrike" spc="-1" dirty="0">
+                <a:solidFill>
+                  <a:srgbClr val="CCCCCC"/>
+                </a:solidFill>
+                <a:latin typeface="Arial"/>
+                <a:ea typeface="Arial"/>
+              </a:rPr>
+              <a:t>Seaborn</a:t>
+            </a:r>
+            <a:endParaRPr lang="es-ES" sz="1000" b="0" strike="noStrike" spc="-1" dirty="0">
+              <a:latin typeface="Arial"/>
+            </a:endParaRPr>
+          </a:p>
+          <a:p>
+            <a:pPr marL="457200" indent="-291600">
+              <a:lnSpc>
+                <a:spcPct val="100000"/>
+              </a:lnSpc>
+              <a:buClr>
+                <a:srgbClr val="CCCCCC"/>
+              </a:buClr>
+              <a:buFont typeface="Arial"/>
+              <a:buChar char="-"/>
+              <a:tabLst>
+                <a:tab pos="0" algn="l"/>
+              </a:tabLst>
+            </a:pPr>
+            <a:r>
+              <a:rPr lang="es" sz="1000" b="0" i="1" strike="noStrike" spc="-1" dirty="0">
+                <a:solidFill>
+                  <a:srgbClr val="CCCCCC"/>
+                </a:solidFill>
+                <a:latin typeface="Arial"/>
+                <a:ea typeface="Arial"/>
+              </a:rPr>
+              <a:t>Plotly</a:t>
+            </a:r>
+            <a:endParaRPr lang="es-ES" sz="1000" b="0" strike="noStrike" spc="-1" dirty="0">
+              <a:latin typeface="Arial"/>
+            </a:endParaRPr>
+          </a:p>
+          <a:p>
+            <a:pPr marL="457200" indent="-291600">
+              <a:lnSpc>
+                <a:spcPct val="100000"/>
+              </a:lnSpc>
+              <a:buClr>
+                <a:srgbClr val="CCCCCC"/>
+              </a:buClr>
+              <a:buFont typeface="Arial"/>
+              <a:buChar char="-"/>
+              <a:tabLst>
+                <a:tab pos="0" algn="l"/>
+              </a:tabLst>
+            </a:pPr>
+            <a:r>
+              <a:rPr lang="es" sz="1000" b="0" i="1" strike="noStrike" spc="-1" dirty="0">
+                <a:solidFill>
+                  <a:srgbClr val="CCCCCC"/>
+                </a:solidFill>
+                <a:latin typeface="Arial"/>
+                <a:ea typeface="Arial"/>
+              </a:rPr>
+              <a:t>Dash</a:t>
+            </a:r>
+          </a:p>
+          <a:p>
+            <a:pPr marL="457200" indent="-291600">
+              <a:lnSpc>
+                <a:spcPct val="100000"/>
+              </a:lnSpc>
+              <a:buClr>
+                <a:srgbClr val="CCCCCC"/>
+              </a:buClr>
+              <a:buFont typeface="Arial"/>
+              <a:buChar char="-"/>
+              <a:tabLst>
+                <a:tab pos="0" algn="l"/>
+              </a:tabLst>
+            </a:pPr>
+            <a:r>
+              <a:rPr lang="es" sz="1000" b="0" i="1" strike="noStrike" spc="-1" dirty="0">
+                <a:solidFill>
+                  <a:srgbClr val="CCCCCC"/>
+                </a:solidFill>
+                <a:latin typeface="Arial"/>
+              </a:rPr>
+              <a:t>Mapas con Folium</a:t>
+            </a:r>
+            <a:endParaRPr lang="es-ES" sz="1000" b="0" strike="noStrike" spc="-1" dirty="0">
+              <a:latin typeface="Arial"/>
+            </a:endParaRPr>
+          </a:p>
+          <a:p>
+            <a:pPr marL="457200" indent="-291600">
+              <a:lnSpc>
+                <a:spcPct val="100000"/>
+              </a:lnSpc>
+              <a:buClr>
+                <a:srgbClr val="CCCCCC"/>
+              </a:buClr>
+              <a:buFont typeface="Arial"/>
+              <a:buChar char="-"/>
+              <a:tabLst>
+                <a:tab pos="0" algn="l"/>
+              </a:tabLst>
+            </a:pPr>
+            <a:r>
+              <a:rPr lang="es" sz="1000" b="0" i="1" strike="noStrike" spc="-1" dirty="0">
+                <a:solidFill>
+                  <a:srgbClr val="CCCCCC"/>
+                </a:solidFill>
+                <a:latin typeface="Arial"/>
+                <a:ea typeface="Arial"/>
+              </a:rPr>
+              <a:t>Power BI</a:t>
+            </a:r>
+          </a:p>
+          <a:p>
+            <a:pPr marL="457200" indent="-291600">
+              <a:lnSpc>
+                <a:spcPct val="100000"/>
+              </a:lnSpc>
+              <a:buClr>
+                <a:srgbClr val="CCCCCC"/>
+              </a:buClr>
+              <a:buFont typeface="Arial"/>
+              <a:buChar char="-"/>
+              <a:tabLst>
+                <a:tab pos="0" algn="l"/>
+              </a:tabLst>
+            </a:pPr>
+            <a:r>
+              <a:rPr lang="es" sz="1000" i="1" spc="-1" dirty="0">
+                <a:solidFill>
+                  <a:srgbClr val="CCCCCC"/>
+                </a:solidFill>
+                <a:latin typeface="Arial"/>
+              </a:rPr>
+              <a:t>Streamlit</a:t>
+            </a:r>
+            <a:endParaRPr lang="es-ES" sz="1000" b="0" strike="noStrike" spc="-1" dirty="0">
+              <a:latin typeface="Arial"/>
+            </a:endParaRPr>
+          </a:p>
+          <a:p>
+            <a:pPr>
+              <a:lnSpc>
+                <a:spcPct val="100000"/>
+              </a:lnSpc>
+              <a:tabLst>
+                <a:tab pos="0" algn="l"/>
+              </a:tabLst>
+            </a:pPr>
+            <a:endParaRPr lang="es-ES" sz="1000" b="0" strike="noStrike" spc="-1" dirty="0">
+              <a:latin typeface="Arial"/>
+            </a:endParaRPr>
+          </a:p>
+          <a:p>
+            <a:pPr>
+              <a:lnSpc>
+                <a:spcPct val="100000"/>
+              </a:lnSpc>
+              <a:tabLst>
+                <a:tab pos="0" algn="l"/>
+              </a:tabLst>
+            </a:pPr>
+            <a:endParaRPr lang="es-ES" sz="1000" b="0" strike="noStrike" spc="-1" dirty="0">
+              <a:latin typeface="Arial"/>
+            </a:endParaRPr>
+          </a:p>
+          <a:p>
+            <a:pPr>
+              <a:lnSpc>
+                <a:spcPct val="100000"/>
+              </a:lnSpc>
+              <a:tabLst>
+                <a:tab pos="0" algn="l"/>
+              </a:tabLst>
+            </a:pPr>
+            <a:r>
+              <a:rPr lang="es" sz="1100" b="1" strike="noStrike" spc="-1" dirty="0">
+                <a:solidFill>
+                  <a:srgbClr val="FFFFFF"/>
+                </a:solidFill>
+                <a:latin typeface="Arial"/>
+                <a:ea typeface="Arial"/>
+              </a:rPr>
+              <a:t>Data Sources</a:t>
+            </a:r>
+            <a:endParaRPr lang="es-ES" sz="1100" b="0" strike="noStrike" spc="-1" dirty="0">
+              <a:latin typeface="Arial"/>
+            </a:endParaRPr>
+          </a:p>
+          <a:p>
+            <a:pPr marL="457200" indent="-291600">
+              <a:lnSpc>
+                <a:spcPct val="100000"/>
+              </a:lnSpc>
+              <a:buClr>
+                <a:srgbClr val="CCCCCC"/>
+              </a:buClr>
+              <a:buFont typeface="Arial"/>
+              <a:buChar char="-"/>
+              <a:tabLst>
+                <a:tab pos="0" algn="l"/>
+              </a:tabLst>
+            </a:pPr>
+            <a:r>
+              <a:rPr lang="es" sz="1000" b="0" i="1" strike="noStrike" spc="-1" dirty="0">
+                <a:solidFill>
+                  <a:srgbClr val="CCCCCC"/>
+                </a:solidFill>
+                <a:latin typeface="Arial"/>
+                <a:ea typeface="Arial"/>
+              </a:rPr>
+              <a:t>SQL</a:t>
+            </a:r>
+            <a:endParaRPr lang="es-ES" sz="1000" b="0" strike="noStrike" spc="-1" dirty="0">
+              <a:latin typeface="Arial"/>
+            </a:endParaRPr>
+          </a:p>
+          <a:p>
+            <a:pPr marL="457200" indent="-291600">
+              <a:lnSpc>
+                <a:spcPct val="100000"/>
+              </a:lnSpc>
+              <a:buClr>
+                <a:srgbClr val="CCCCCC"/>
+              </a:buClr>
+              <a:buFont typeface="Arial"/>
+              <a:buChar char="-"/>
+              <a:tabLst>
+                <a:tab pos="0" algn="l"/>
+              </a:tabLst>
+            </a:pPr>
+            <a:r>
+              <a:rPr lang="es" sz="1000" b="0" i="1" strike="noStrike" spc="-1" dirty="0">
+                <a:solidFill>
+                  <a:srgbClr val="CCCCCC"/>
+                </a:solidFill>
+                <a:latin typeface="Arial"/>
+                <a:ea typeface="Arial"/>
+              </a:rPr>
+              <a:t>Lectura/Escritura archivos</a:t>
+            </a:r>
+            <a:endParaRPr lang="es-ES" sz="1000" b="0" strike="noStrike" spc="-1" dirty="0">
+              <a:latin typeface="Arial"/>
+            </a:endParaRPr>
+          </a:p>
+          <a:p>
+            <a:pPr marL="457200" indent="-291600">
+              <a:lnSpc>
+                <a:spcPct val="100000"/>
+              </a:lnSpc>
+              <a:buClr>
+                <a:srgbClr val="CCCCCC"/>
+              </a:buClr>
+              <a:buFont typeface="Arial"/>
+              <a:buChar char="-"/>
+              <a:tabLst>
+                <a:tab pos="0" algn="l"/>
+              </a:tabLst>
+            </a:pPr>
+            <a:r>
+              <a:rPr lang="es" sz="1000" b="0" i="1" strike="noStrike" spc="-1" dirty="0">
+                <a:solidFill>
+                  <a:srgbClr val="CCCCCC"/>
+                </a:solidFill>
+                <a:latin typeface="Arial"/>
+                <a:ea typeface="Arial"/>
+              </a:rPr>
+              <a:t>Atacar APIs</a:t>
+            </a:r>
+            <a:endParaRPr lang="es-ES" sz="1000" b="0" strike="noStrike" spc="-1" dirty="0">
+              <a:latin typeface="Arial"/>
+            </a:endParaRPr>
+          </a:p>
+          <a:p>
+            <a:pPr marL="457200" indent="-291600">
+              <a:lnSpc>
+                <a:spcPct val="100000"/>
+              </a:lnSpc>
+              <a:buClr>
+                <a:srgbClr val="CCCCCC"/>
+              </a:buClr>
+              <a:buFont typeface="Arial"/>
+              <a:buChar char="-"/>
+              <a:tabLst>
+                <a:tab pos="0" algn="l"/>
+              </a:tabLst>
+            </a:pPr>
+            <a:r>
+              <a:rPr lang="es" sz="1000" b="0" i="1" strike="noStrike" spc="-1" dirty="0">
+                <a:solidFill>
+                  <a:srgbClr val="CCCCCC"/>
+                </a:solidFill>
+                <a:latin typeface="Arial"/>
+                <a:ea typeface="Arial"/>
+              </a:rPr>
+              <a:t>Web Scrapping</a:t>
+            </a:r>
+            <a:endParaRPr lang="es-ES" sz="1000" b="0" strike="noStrike" spc="-1" dirty="0">
+              <a:latin typeface="Arial"/>
+            </a:endParaRPr>
+          </a:p>
+          <a:p>
+            <a:pPr marL="457200" indent="-291600">
+              <a:lnSpc>
+                <a:spcPct val="100000"/>
+              </a:lnSpc>
+              <a:buClr>
+                <a:srgbClr val="CCCCCC"/>
+              </a:buClr>
+              <a:buFont typeface="Arial"/>
+              <a:buChar char="-"/>
+              <a:tabLst>
+                <a:tab pos="0" algn="l"/>
+              </a:tabLst>
+            </a:pPr>
+            <a:r>
+              <a:rPr lang="es" sz="1000" b="0" i="1" strike="noStrike" spc="-1" dirty="0">
+                <a:solidFill>
+                  <a:srgbClr val="CCCCCC"/>
+                </a:solidFill>
+                <a:latin typeface="Arial"/>
+                <a:ea typeface="Arial"/>
+              </a:rPr>
+              <a:t>Archivos JSON</a:t>
+            </a:r>
+            <a:endParaRPr lang="es-ES" sz="1000" b="0" strike="noStrike" spc="-1" dirty="0">
+              <a:latin typeface="Arial"/>
+            </a:endParaRPr>
+          </a:p>
+          <a:p>
+            <a:pPr>
+              <a:lnSpc>
+                <a:spcPct val="100000"/>
+              </a:lnSpc>
+              <a:tabLst>
+                <a:tab pos="0" algn="l"/>
+              </a:tabLst>
+            </a:pPr>
+            <a:endParaRPr lang="es-ES" sz="1000" b="0" strike="noStrike" spc="-1" dirty="0">
+              <a:latin typeface="Arial"/>
+            </a:endParaRPr>
+          </a:p>
+          <a:p>
+            <a:pPr>
+              <a:lnSpc>
+                <a:spcPct val="100000"/>
+              </a:lnSpc>
+              <a:tabLst>
+                <a:tab pos="0" algn="l"/>
+              </a:tabLst>
+            </a:pPr>
+            <a:r>
+              <a:rPr lang="es" sz="1100" b="1" strike="noStrike" spc="-1" dirty="0">
+                <a:solidFill>
+                  <a:srgbClr val="FFFFFF"/>
+                </a:solidFill>
+                <a:latin typeface="Arial"/>
+                <a:ea typeface="Arial"/>
+              </a:rPr>
+              <a:t>Feature Engineering</a:t>
+            </a:r>
+            <a:endParaRPr lang="es-ES" sz="1100" b="0" strike="noStrike" spc="-1" dirty="0">
+              <a:latin typeface="Arial"/>
+            </a:endParaRPr>
+          </a:p>
+          <a:p>
+            <a:pPr marL="457200" indent="-291600">
+              <a:lnSpc>
+                <a:spcPct val="100000"/>
+              </a:lnSpc>
+              <a:buClr>
+                <a:srgbClr val="CCCCCC"/>
+              </a:buClr>
+              <a:buFont typeface="Arial"/>
+              <a:buChar char="-"/>
+              <a:tabLst>
+                <a:tab pos="0" algn="l"/>
+              </a:tabLst>
+            </a:pPr>
+            <a:r>
+              <a:rPr lang="es-ES" sz="1000" b="0" i="1" strike="noStrike" spc="-1" dirty="0">
+                <a:solidFill>
+                  <a:srgbClr val="CCCCCC"/>
+                </a:solidFill>
+                <a:latin typeface="Arial"/>
+                <a:ea typeface="Arial"/>
+              </a:rPr>
+              <a:t>Texto</a:t>
+            </a:r>
+          </a:p>
+          <a:p>
+            <a:pPr marL="457200" indent="-291600">
+              <a:lnSpc>
+                <a:spcPct val="100000"/>
+              </a:lnSpc>
+              <a:buClr>
+                <a:srgbClr val="CCCCCC"/>
+              </a:buClr>
+              <a:buFont typeface="Arial"/>
+              <a:buChar char="-"/>
+              <a:tabLst>
+                <a:tab pos="0" algn="l"/>
+              </a:tabLst>
+            </a:pPr>
+            <a:r>
+              <a:rPr lang="es-ES" sz="1000" i="1" spc="-1" dirty="0">
+                <a:solidFill>
+                  <a:srgbClr val="CCCCCC"/>
+                </a:solidFill>
+                <a:latin typeface="Arial"/>
+              </a:rPr>
+              <a:t>Series Temporales</a:t>
+            </a:r>
+            <a:endParaRPr lang="es-ES" sz="1000" b="0" strike="noStrike" spc="-1" dirty="0">
+              <a:latin typeface="Arial"/>
+            </a:endParaRPr>
+          </a:p>
+        </p:txBody>
+      </p:sp>
+      <p:sp>
+        <p:nvSpPr>
+          <p:cNvPr id="7" name="CustomShape 2">
+            <a:extLst>
+              <a:ext uri="{FF2B5EF4-FFF2-40B4-BE49-F238E27FC236}">
+                <a16:creationId xmlns:a16="http://schemas.microsoft.com/office/drawing/2014/main" id="{9C3E1013-8EE7-4319-AFDF-7133C9846101}"/>
+              </a:ext>
+            </a:extLst>
+          </p:cNvPr>
+          <p:cNvSpPr/>
+          <p:nvPr/>
+        </p:nvSpPr>
+        <p:spPr>
+          <a:xfrm>
+            <a:off x="4550340" y="305850"/>
+            <a:ext cx="4018320" cy="4631910"/>
+          </a:xfrm>
+          <a:prstGeom prst="rect">
+            <a:avLst/>
+          </a:prstGeom>
+          <a:noFill/>
+          <a:ln w="0">
+            <a:noFill/>
+          </a:ln>
+        </p:spPr>
+        <p:style>
+          <a:lnRef idx="0">
+            <a:scrgbClr r="0" g="0" b="0"/>
+          </a:lnRef>
+          <a:fillRef idx="0">
+            <a:scrgbClr r="0" g="0" b="0"/>
+          </a:fillRef>
+          <a:effectRef idx="0">
+            <a:scrgbClr r="0" g="0" b="0"/>
+          </a:effectRef>
+          <a:fontRef idx="minor"/>
+        </p:style>
+        <p:txBody>
+          <a:bodyPr tIns="91440" bIns="91440">
+            <a:noAutofit/>
+          </a:bodyPr>
+          <a:lstStyle>
+            <a:defPPr>
+              <a:defRPr lang="es-ES"/>
+            </a:defPPr>
+            <a:lvl1pPr marL="0" algn="l" defTabSz="914400" rtl="0" eaLnBrk="1" latinLnBrk="0" hangingPunct="1">
+              <a:defRPr sz="1800" kern="1200">
+                <a:solidFill>
+                  <a:schemeClr val="tx1"/>
+                </a:solidFill>
+                <a:latin typeface="+mn-lt"/>
+                <a:ea typeface="+mn-ea"/>
+                <a:cs typeface="+mn-cs"/>
+              </a:defRPr>
+            </a:lvl1pPr>
+            <a:lvl2pPr marL="457200" algn="l" defTabSz="914400" rtl="0" eaLnBrk="1" latinLnBrk="0" hangingPunct="1">
+              <a:defRPr sz="1800" kern="1200">
+                <a:solidFill>
+                  <a:schemeClr val="tx1"/>
+                </a:solidFill>
+                <a:latin typeface="+mn-lt"/>
+                <a:ea typeface="+mn-ea"/>
+                <a:cs typeface="+mn-cs"/>
+              </a:defRPr>
+            </a:lvl2pPr>
+            <a:lvl3pPr marL="914400" algn="l" defTabSz="914400" rtl="0" eaLnBrk="1" latinLnBrk="0" hangingPunct="1">
+              <a:defRPr sz="1800" kern="1200">
+                <a:solidFill>
+                  <a:schemeClr val="tx1"/>
+                </a:solidFill>
+                <a:latin typeface="+mn-lt"/>
+                <a:ea typeface="+mn-ea"/>
+                <a:cs typeface="+mn-cs"/>
+              </a:defRPr>
+            </a:lvl3pPr>
+            <a:lvl4pPr marL="1371600" algn="l" defTabSz="914400" rtl="0" eaLnBrk="1" latinLnBrk="0" hangingPunct="1">
+              <a:defRPr sz="1800" kern="1200">
+                <a:solidFill>
+                  <a:schemeClr val="tx1"/>
+                </a:solidFill>
+                <a:latin typeface="+mn-lt"/>
+                <a:ea typeface="+mn-ea"/>
+                <a:cs typeface="+mn-cs"/>
+              </a:defRPr>
+            </a:lvl4pPr>
+            <a:lvl5pPr marL="1828800" algn="l" defTabSz="914400" rtl="0" eaLnBrk="1" latinLnBrk="0" hangingPunct="1">
+              <a:defRPr sz="1800" kern="1200">
+                <a:solidFill>
+                  <a:schemeClr val="tx1"/>
+                </a:solidFill>
+                <a:latin typeface="+mn-lt"/>
+                <a:ea typeface="+mn-ea"/>
+                <a:cs typeface="+mn-cs"/>
+              </a:defRPr>
+            </a:lvl5pPr>
+            <a:lvl6pPr marL="2286000" algn="l" defTabSz="914400" rtl="0" eaLnBrk="1" latinLnBrk="0" hangingPunct="1">
+              <a:defRPr sz="1800" kern="1200">
+                <a:solidFill>
+                  <a:schemeClr val="tx1"/>
+                </a:solidFill>
+                <a:latin typeface="+mn-lt"/>
+                <a:ea typeface="+mn-ea"/>
+                <a:cs typeface="+mn-cs"/>
+              </a:defRPr>
+            </a:lvl6pPr>
+            <a:lvl7pPr marL="2743200" algn="l" defTabSz="914400" rtl="0" eaLnBrk="1" latinLnBrk="0" hangingPunct="1">
+              <a:defRPr sz="1800" kern="1200">
+                <a:solidFill>
+                  <a:schemeClr val="tx1"/>
+                </a:solidFill>
+                <a:latin typeface="+mn-lt"/>
+                <a:ea typeface="+mn-ea"/>
+                <a:cs typeface="+mn-cs"/>
+              </a:defRPr>
+            </a:lvl7pPr>
+            <a:lvl8pPr marL="3200400" algn="l" defTabSz="914400" rtl="0" eaLnBrk="1" latinLnBrk="0" hangingPunct="1">
+              <a:defRPr sz="1800" kern="1200">
+                <a:solidFill>
+                  <a:schemeClr val="tx1"/>
+                </a:solidFill>
+                <a:latin typeface="+mn-lt"/>
+                <a:ea typeface="+mn-ea"/>
+                <a:cs typeface="+mn-cs"/>
+              </a:defRPr>
+            </a:lvl8pPr>
+            <a:lvl9pPr marL="3657600" algn="l" defTabSz="914400" rtl="0" eaLnBrk="1" latinLnBrk="0" hangingPunct="1">
+              <a:defRPr sz="1800" kern="1200">
+                <a:solidFill>
+                  <a:schemeClr val="tx1"/>
+                </a:solidFill>
+                <a:latin typeface="+mn-lt"/>
+                <a:ea typeface="+mn-ea"/>
+                <a:cs typeface="+mn-cs"/>
+              </a:defRPr>
+            </a:lvl9pPr>
+          </a:lstStyle>
+          <a:p>
+            <a:pPr>
+              <a:lnSpc>
+                <a:spcPct val="100000"/>
+              </a:lnSpc>
+              <a:tabLst>
+                <a:tab pos="0" algn="l"/>
+              </a:tabLst>
+            </a:pPr>
+            <a:r>
+              <a:rPr lang="es" sz="1500" b="0" u="sng" strike="noStrike" spc="-1" dirty="0">
+                <a:solidFill>
+                  <a:srgbClr val="FFFFFF"/>
+                </a:solidFill>
+                <a:uFillTx/>
+                <a:latin typeface="Arial"/>
+                <a:ea typeface="Arial"/>
+              </a:rPr>
+              <a:t>¿Qué hemos aprendido a hacer?</a:t>
+            </a:r>
+            <a:endParaRPr lang="es-ES" sz="1500" b="0" strike="noStrike" spc="-1" dirty="0">
+              <a:latin typeface="Arial"/>
+            </a:endParaRPr>
+          </a:p>
+          <a:p>
+            <a:pPr>
+              <a:lnSpc>
+                <a:spcPct val="100000"/>
+              </a:lnSpc>
+              <a:tabLst>
+                <a:tab pos="0" algn="l"/>
+              </a:tabLst>
+            </a:pPr>
+            <a:endParaRPr lang="es-ES" sz="1500" b="0" strike="noStrike" spc="-1" dirty="0">
+              <a:latin typeface="Arial"/>
+            </a:endParaRPr>
+          </a:p>
+          <a:p>
+            <a:pPr>
+              <a:lnSpc>
+                <a:spcPct val="100000"/>
+              </a:lnSpc>
+              <a:tabLst>
+                <a:tab pos="0" algn="l"/>
+              </a:tabLst>
+            </a:pPr>
+            <a:r>
+              <a:rPr lang="es" sz="1100" b="1" strike="noStrike" spc="-1" dirty="0">
+                <a:solidFill>
+                  <a:srgbClr val="FFFFFF"/>
+                </a:solidFill>
+                <a:latin typeface="Arial"/>
+                <a:ea typeface="Arial"/>
+              </a:rPr>
+              <a:t>Numpy y pandas</a:t>
+            </a:r>
+            <a:endParaRPr lang="es-ES" sz="1100" b="0" strike="noStrike" spc="-1" dirty="0">
+              <a:latin typeface="Arial"/>
+            </a:endParaRPr>
+          </a:p>
+          <a:p>
+            <a:pPr marL="457200" indent="-291600">
+              <a:lnSpc>
+                <a:spcPct val="100000"/>
+              </a:lnSpc>
+              <a:buClr>
+                <a:srgbClr val="CCCCCC"/>
+              </a:buClr>
+              <a:buFont typeface="Arial"/>
+              <a:buChar char="-"/>
+              <a:tabLst>
+                <a:tab pos="0" algn="l"/>
+              </a:tabLst>
+            </a:pPr>
+            <a:r>
+              <a:rPr lang="es" sz="1000" b="0" i="1" strike="noStrike" spc="-1" dirty="0">
+                <a:solidFill>
+                  <a:srgbClr val="CCCCCC"/>
+                </a:solidFill>
+                <a:latin typeface="Arial"/>
+                <a:ea typeface="Arial"/>
+              </a:rPr>
+              <a:t>Comprender el contenido de un dataset</a:t>
+            </a:r>
+            <a:endParaRPr lang="es-ES" sz="1000" b="0" strike="noStrike" spc="-1" dirty="0">
+              <a:latin typeface="Arial"/>
+            </a:endParaRPr>
+          </a:p>
+          <a:p>
+            <a:pPr marL="457200" indent="-291600">
+              <a:lnSpc>
+                <a:spcPct val="100000"/>
+              </a:lnSpc>
+              <a:buClr>
+                <a:srgbClr val="CCCCCC"/>
+              </a:buClr>
+              <a:buFont typeface="Arial"/>
+              <a:buChar char="-"/>
+              <a:tabLst>
+                <a:tab pos="0" algn="l"/>
+              </a:tabLst>
+            </a:pPr>
+            <a:r>
+              <a:rPr lang="es" sz="1000" b="0" i="1" strike="noStrike" spc="-1" dirty="0">
+                <a:solidFill>
+                  <a:srgbClr val="CCCCCC"/>
+                </a:solidFill>
+                <a:latin typeface="Arial"/>
+                <a:ea typeface="Arial"/>
+              </a:rPr>
+              <a:t>Limpiar un dataset</a:t>
+            </a:r>
+            <a:endParaRPr lang="es-ES" sz="1000" b="0" strike="noStrike" spc="-1" dirty="0">
+              <a:latin typeface="Arial"/>
+            </a:endParaRPr>
+          </a:p>
+          <a:p>
+            <a:pPr marL="457200" indent="-291600">
+              <a:lnSpc>
+                <a:spcPct val="100000"/>
+              </a:lnSpc>
+              <a:buClr>
+                <a:srgbClr val="CCCCCC"/>
+              </a:buClr>
+              <a:buFont typeface="Arial"/>
+              <a:buChar char="-"/>
+              <a:tabLst>
+                <a:tab pos="0" algn="l"/>
+              </a:tabLst>
+            </a:pPr>
+            <a:r>
+              <a:rPr lang="es" sz="1000" b="0" i="1" strike="noStrike" spc="-1" dirty="0">
+                <a:solidFill>
+                  <a:srgbClr val="CCCCCC"/>
+                </a:solidFill>
+                <a:latin typeface="Arial"/>
+                <a:ea typeface="Arial"/>
+              </a:rPr>
+              <a:t>Reshape de datasets</a:t>
+            </a:r>
+            <a:endParaRPr lang="es-ES" sz="1000" b="0" strike="noStrike" spc="-1" dirty="0">
+              <a:latin typeface="Arial"/>
+            </a:endParaRPr>
+          </a:p>
+          <a:p>
+            <a:pPr>
+              <a:lnSpc>
+                <a:spcPct val="100000"/>
+              </a:lnSpc>
+              <a:tabLst>
+                <a:tab pos="0" algn="l"/>
+              </a:tabLst>
+            </a:pPr>
+            <a:endParaRPr lang="es-ES" sz="1000" b="0" strike="noStrike" spc="-1" dirty="0">
+              <a:latin typeface="Arial"/>
+            </a:endParaRPr>
+          </a:p>
+          <a:p>
+            <a:pPr>
+              <a:lnSpc>
+                <a:spcPct val="100000"/>
+              </a:lnSpc>
+              <a:tabLst>
+                <a:tab pos="0" algn="l"/>
+              </a:tabLst>
+            </a:pPr>
+            <a:r>
+              <a:rPr lang="es" sz="1100" b="1" strike="noStrike" spc="-1" dirty="0">
+                <a:solidFill>
+                  <a:srgbClr val="FFFFFF"/>
+                </a:solidFill>
+                <a:latin typeface="Arial"/>
+                <a:ea typeface="Arial"/>
+              </a:rPr>
+              <a:t>Visualización</a:t>
+            </a:r>
+            <a:endParaRPr lang="es-ES" sz="1100" b="0" strike="noStrike" spc="-1" dirty="0">
+              <a:latin typeface="Arial"/>
+            </a:endParaRPr>
+          </a:p>
+          <a:p>
+            <a:pPr marL="457200" indent="-291600">
+              <a:lnSpc>
+                <a:spcPct val="100000"/>
+              </a:lnSpc>
+              <a:buClr>
+                <a:srgbClr val="CCCCCC"/>
+              </a:buClr>
+              <a:buFont typeface="Arial"/>
+              <a:buChar char="-"/>
+              <a:tabLst>
+                <a:tab pos="0" algn="l"/>
+              </a:tabLst>
+            </a:pPr>
+            <a:r>
+              <a:rPr lang="es" sz="1000" b="0" i="1" strike="noStrike" spc="-1" dirty="0">
+                <a:solidFill>
+                  <a:srgbClr val="CCCCCC"/>
+                </a:solidFill>
+                <a:latin typeface="Arial"/>
+                <a:ea typeface="Arial"/>
+              </a:rPr>
+              <a:t>Cómo realizar una analítica descriptiva de tus datos</a:t>
+            </a:r>
+            <a:endParaRPr lang="es-ES" sz="1000" b="0" strike="noStrike" spc="-1" dirty="0">
+              <a:latin typeface="Arial"/>
+            </a:endParaRPr>
+          </a:p>
+          <a:p>
+            <a:pPr marL="457200" indent="-291600">
+              <a:lnSpc>
+                <a:spcPct val="100000"/>
+              </a:lnSpc>
+              <a:buClr>
+                <a:srgbClr val="CCCCCC"/>
+              </a:buClr>
+              <a:buFont typeface="Arial"/>
+              <a:buChar char="-"/>
+              <a:tabLst>
+                <a:tab pos="0" algn="l"/>
+              </a:tabLst>
+            </a:pPr>
+            <a:r>
+              <a:rPr lang="es" sz="1000" b="0" i="1" strike="noStrike" spc="-1" dirty="0">
+                <a:solidFill>
+                  <a:srgbClr val="CCCCCC"/>
+                </a:solidFill>
+                <a:latin typeface="Arial"/>
+                <a:ea typeface="Arial"/>
+              </a:rPr>
+              <a:t>Aprender a elegir qué gráfica necesito en cada momento</a:t>
+            </a:r>
+            <a:endParaRPr lang="es-ES" sz="1000" b="0" strike="noStrike" spc="-1" dirty="0">
+              <a:latin typeface="Arial"/>
+            </a:endParaRPr>
+          </a:p>
+          <a:p>
+            <a:pPr marL="457200" indent="-291600">
+              <a:lnSpc>
+                <a:spcPct val="100000"/>
+              </a:lnSpc>
+              <a:buClr>
+                <a:srgbClr val="CCCCCC"/>
+              </a:buClr>
+              <a:buFont typeface="Arial"/>
+              <a:buChar char="-"/>
+              <a:tabLst>
+                <a:tab pos="0" algn="l"/>
+              </a:tabLst>
+            </a:pPr>
+            <a:r>
+              <a:rPr lang="es" sz="1000" b="0" i="1" strike="noStrike" spc="-1" dirty="0">
+                <a:solidFill>
+                  <a:srgbClr val="CCCCCC"/>
+                </a:solidFill>
+                <a:latin typeface="Arial"/>
+                <a:ea typeface="Arial"/>
+              </a:rPr>
+              <a:t>Dashboards interactivos y gratuitos con Python</a:t>
+            </a:r>
+            <a:endParaRPr lang="es-ES" sz="1000" b="0" strike="noStrike" spc="-1" dirty="0">
+              <a:latin typeface="Arial"/>
+            </a:endParaRPr>
+          </a:p>
+          <a:p>
+            <a:pPr marL="457200" indent="-291600">
+              <a:lnSpc>
+                <a:spcPct val="100000"/>
+              </a:lnSpc>
+              <a:buClr>
+                <a:srgbClr val="CCCCCC"/>
+              </a:buClr>
+              <a:buFont typeface="Arial"/>
+              <a:buChar char="-"/>
+              <a:tabLst>
+                <a:tab pos="0" algn="l"/>
+              </a:tabLst>
+            </a:pPr>
+            <a:r>
+              <a:rPr lang="es" sz="1000" b="0" i="1" strike="noStrike" spc="-1" dirty="0">
+                <a:solidFill>
+                  <a:srgbClr val="CCCCCC"/>
+                </a:solidFill>
+                <a:latin typeface="Arial"/>
+                <a:ea typeface="Arial"/>
+              </a:rPr>
+              <a:t>Realizar un EDA de manera rápida con una herramienta de BI</a:t>
+            </a:r>
+            <a:endParaRPr lang="es-ES" sz="1000" b="0" strike="noStrike" spc="-1" dirty="0">
+              <a:latin typeface="Arial"/>
+            </a:endParaRPr>
+          </a:p>
+          <a:p>
+            <a:pPr marL="457200" indent="-291600">
+              <a:lnSpc>
+                <a:spcPct val="100000"/>
+              </a:lnSpc>
+              <a:buClr>
+                <a:srgbClr val="CCCCCC"/>
+              </a:buClr>
+              <a:buFont typeface="Arial"/>
+              <a:buChar char="-"/>
+              <a:tabLst>
+                <a:tab pos="0" algn="l"/>
+              </a:tabLst>
+            </a:pPr>
+            <a:r>
+              <a:rPr lang="es" sz="1000" b="0" i="1" strike="noStrike" spc="-1" dirty="0">
+                <a:solidFill>
+                  <a:srgbClr val="CCCCCC"/>
+                </a:solidFill>
+                <a:latin typeface="Arial"/>
+                <a:ea typeface="Arial"/>
+              </a:rPr>
+              <a:t>Montar un dashboard interactivo con una herramienta de BI líder del mercado</a:t>
+            </a:r>
+            <a:endParaRPr lang="es-ES" sz="1000" b="0" strike="noStrike" spc="-1" dirty="0">
+              <a:latin typeface="Arial"/>
+            </a:endParaRPr>
+          </a:p>
+          <a:p>
+            <a:pPr>
+              <a:lnSpc>
+                <a:spcPct val="100000"/>
+              </a:lnSpc>
+              <a:tabLst>
+                <a:tab pos="0" algn="l"/>
+              </a:tabLst>
+            </a:pPr>
+            <a:endParaRPr lang="es-ES" sz="1000" b="0" strike="noStrike" spc="-1" dirty="0">
+              <a:latin typeface="Arial"/>
+            </a:endParaRPr>
+          </a:p>
+          <a:p>
+            <a:pPr>
+              <a:lnSpc>
+                <a:spcPct val="100000"/>
+              </a:lnSpc>
+              <a:tabLst>
+                <a:tab pos="0" algn="l"/>
+              </a:tabLst>
+            </a:pPr>
+            <a:r>
+              <a:rPr lang="es" sz="1100" b="1" strike="noStrike" spc="-1" dirty="0">
+                <a:solidFill>
+                  <a:srgbClr val="FFFFFF"/>
+                </a:solidFill>
+                <a:latin typeface="Arial"/>
+                <a:ea typeface="Arial"/>
+              </a:rPr>
+              <a:t>Data Sources</a:t>
+            </a:r>
+            <a:endParaRPr lang="es-ES" sz="1100" b="0" strike="noStrike" spc="-1" dirty="0">
+              <a:latin typeface="Arial"/>
+            </a:endParaRPr>
+          </a:p>
+          <a:p>
+            <a:pPr marL="457200" indent="-291600">
+              <a:lnSpc>
+                <a:spcPct val="100000"/>
+              </a:lnSpc>
+              <a:buClr>
+                <a:srgbClr val="CCCCCC"/>
+              </a:buClr>
+              <a:buFont typeface="Arial"/>
+              <a:buChar char="-"/>
+              <a:tabLst>
+                <a:tab pos="0" algn="l"/>
+              </a:tabLst>
+            </a:pPr>
+            <a:r>
+              <a:rPr lang="es" sz="1000" b="1" i="1" strike="noStrike" spc="-1" dirty="0">
+                <a:solidFill>
+                  <a:srgbClr val="CCCCCC"/>
+                </a:solidFill>
+                <a:latin typeface="Arial"/>
+                <a:ea typeface="Arial"/>
+              </a:rPr>
+              <a:t>Aprender a buscar tus propias fuentes de datos, sin importar el formato ni el origen</a:t>
+            </a:r>
+            <a:endParaRPr lang="es-ES" sz="1000" b="0" strike="noStrike" spc="-1" dirty="0">
+              <a:latin typeface="Arial"/>
+            </a:endParaRPr>
+          </a:p>
+          <a:p>
+            <a:pPr marL="457200" indent="-291600">
+              <a:lnSpc>
+                <a:spcPct val="100000"/>
+              </a:lnSpc>
+              <a:buClr>
+                <a:srgbClr val="CCCCCC"/>
+              </a:buClr>
+              <a:buFont typeface="Arial"/>
+              <a:buChar char="-"/>
+              <a:tabLst>
+                <a:tab pos="0" algn="l"/>
+              </a:tabLst>
+            </a:pPr>
+            <a:r>
+              <a:rPr lang="es" sz="1000" b="0" i="1" strike="noStrike" spc="-1" dirty="0">
+                <a:solidFill>
+                  <a:srgbClr val="CCCCCC"/>
+                </a:solidFill>
+                <a:latin typeface="Arial"/>
+                <a:ea typeface="Arial"/>
+              </a:rPr>
+              <a:t>Utilizar servicios de datos publicados mediante una API</a:t>
+            </a:r>
+            <a:endParaRPr lang="es-ES" sz="1000" b="0" strike="noStrike" spc="-1" dirty="0">
+              <a:latin typeface="Arial"/>
+            </a:endParaRPr>
+          </a:p>
+          <a:p>
+            <a:pPr marL="457200" indent="-291600">
+              <a:lnSpc>
+                <a:spcPct val="100000"/>
+              </a:lnSpc>
+              <a:buClr>
+                <a:srgbClr val="CCCCCC"/>
+              </a:buClr>
+              <a:buFont typeface="Arial"/>
+              <a:buChar char="-"/>
+              <a:tabLst>
+                <a:tab pos="0" algn="l"/>
+              </a:tabLst>
+            </a:pPr>
+            <a:r>
+              <a:rPr lang="es" sz="1000" b="0" i="1" strike="noStrike" spc="-1" dirty="0">
+                <a:solidFill>
+                  <a:srgbClr val="CCCCCC"/>
+                </a:solidFill>
+                <a:latin typeface="Arial"/>
+                <a:ea typeface="Arial"/>
+              </a:rPr>
+              <a:t>Lectura/escritura y manejo de los estándares de archivos más utilizados.</a:t>
+            </a:r>
+            <a:endParaRPr lang="es-ES" sz="1000" b="0" strike="noStrike" spc="-1" dirty="0">
+              <a:latin typeface="Arial"/>
+            </a:endParaRPr>
+          </a:p>
+          <a:p>
+            <a:pPr>
+              <a:lnSpc>
+                <a:spcPct val="100000"/>
+              </a:lnSpc>
+              <a:tabLst>
+                <a:tab pos="0" algn="l"/>
+              </a:tabLst>
+            </a:pPr>
+            <a:endParaRPr lang="es-ES" sz="1000" b="0" strike="noStrike" spc="-1" dirty="0">
+              <a:latin typeface="Arial"/>
+            </a:endParaRPr>
+          </a:p>
+          <a:p>
+            <a:pPr>
+              <a:lnSpc>
+                <a:spcPct val="100000"/>
+              </a:lnSpc>
+              <a:tabLst>
+                <a:tab pos="0" algn="l"/>
+              </a:tabLst>
+            </a:pPr>
+            <a:r>
+              <a:rPr lang="es" sz="1100" b="1" strike="noStrike" spc="-1" dirty="0">
+                <a:solidFill>
+                  <a:srgbClr val="FFFFFF"/>
+                </a:solidFill>
+                <a:latin typeface="Arial"/>
+                <a:ea typeface="Arial"/>
+              </a:rPr>
+              <a:t>Feature Engineering &amp; Otros</a:t>
+            </a:r>
+            <a:endParaRPr lang="es-ES" sz="1100" b="0" strike="noStrike" spc="-1" dirty="0">
+              <a:latin typeface="Arial"/>
+            </a:endParaRPr>
+          </a:p>
+          <a:p>
+            <a:pPr marL="457200" indent="-291600">
+              <a:lnSpc>
+                <a:spcPct val="100000"/>
+              </a:lnSpc>
+              <a:buClr>
+                <a:srgbClr val="CCCCCC"/>
+              </a:buClr>
+              <a:buFont typeface="Arial"/>
+              <a:buChar char="-"/>
+              <a:tabLst>
+                <a:tab pos="0" algn="l"/>
+              </a:tabLst>
+            </a:pPr>
+            <a:r>
+              <a:rPr lang="es" sz="1000" b="0" i="1" strike="noStrike" spc="-1">
+                <a:solidFill>
+                  <a:srgbClr val="CCCCCC"/>
+                </a:solidFill>
+                <a:latin typeface="Arial"/>
+                <a:ea typeface="Arial"/>
+              </a:rPr>
+              <a:t>Utilizar </a:t>
+            </a:r>
+            <a:r>
+              <a:rPr lang="es" sz="1000" b="0" i="1" strike="noStrike" spc="-1" dirty="0">
+                <a:solidFill>
+                  <a:srgbClr val="CCCCCC"/>
+                </a:solidFill>
+                <a:latin typeface="Arial"/>
+                <a:ea typeface="Arial"/>
+              </a:rPr>
+              <a:t>el eje tiempo para la analítica.</a:t>
+            </a:r>
+            <a:endParaRPr lang="es-ES" sz="1000" b="0" strike="noStrike" spc="-1" dirty="0">
+              <a:latin typeface="Arial"/>
+            </a:endParaRPr>
+          </a:p>
+          <a:p>
+            <a:pPr marL="457200" indent="-291600">
+              <a:lnSpc>
+                <a:spcPct val="100000"/>
+              </a:lnSpc>
+              <a:buClr>
+                <a:srgbClr val="CCCCCC"/>
+              </a:buClr>
+              <a:buFont typeface="Arial"/>
+              <a:buChar char="-"/>
+              <a:tabLst>
+                <a:tab pos="0" algn="l"/>
+              </a:tabLst>
+            </a:pPr>
+            <a:r>
+              <a:rPr lang="es" sz="1000" b="1" i="1" strike="noStrike" spc="-1" dirty="0">
+                <a:solidFill>
+                  <a:srgbClr val="CCCCCC"/>
+                </a:solidFill>
+                <a:latin typeface="Arial"/>
+                <a:ea typeface="Arial"/>
+              </a:rPr>
+              <a:t>Crear tu primer programa perfectamente funcional, mediante un IDE profesional</a:t>
+            </a:r>
+            <a:endParaRPr lang="es-ES" sz="1000" b="0" strike="noStrike" spc="-1" dirty="0">
+              <a:latin typeface="Arial"/>
+            </a:endParaRPr>
+          </a:p>
+        </p:txBody>
+      </p:sp>
+    </p:spTree>
+    <p:extLst>
+      <p:ext uri="{BB962C8B-B14F-4D97-AF65-F5344CB8AC3E}">
+        <p14:creationId xmlns:p14="http://schemas.microsoft.com/office/powerpoint/2010/main" val="832131295"/>
+      </p:ext>
+    </p:extLst>
+  </p:cSld>
+  <p:clrMapOvr>
+    <a:masterClrMapping/>
+  </p:clrMapOvr>
+</p:sld>
+</file>
+
 <file path=ppt/theme/theme1.xml><?xml version="1.0" encoding="utf-8"?>
 <a:theme xmlns:a="http://schemas.openxmlformats.org/drawingml/2006/main" name="Office Theme">
   <a:themeElements>
